--- a/examples/pp_plot_fontname.pptx
+++ b/examples/pp_plot_fontname.pptx
@@ -5,7 +5,7 @@
     <p:sldMasterId id="2147483648" r:id="rId1"/>
   </p:sldMasterIdLst>
   <p:sldIdLst>
-    <p:sldId id="553120556" r:id="rId6"/>
+    <p:sldId id="687606796" r:id="rId6"/>
   </p:sldIdLst>
   <p:sldSz cx="12192000" cy="6858000"/>
   <p:notesSz cx="6858000" cy="9144000"/>

--- a/examples/pp_plot_fontname.pptx
+++ b/examples/pp_plot_fontname.pptx
@@ -5,7 +5,7 @@
     <p:sldMasterId r:id="rId1" id="2147483648"/>
   </p:sldMasterIdLst>
   <p:sldIdLst>
-    <p:sldId r:id="rId6" id="2015439734"/>
+    <p:sldId r:id="rId6" id="1814388845"/>
   </p:sldIdLst>
   <p:sldSz cy="6858000" cx="12192000"/>
   <p:notesSz cy="9144000" cx="6858000"/>

--- a/examples/pp_plot_fontname.pptx
+++ b/examples/pp_plot_fontname.pptx
@@ -5,7 +5,7 @@
     <p:sldMasterId r:id="rId1" id="2147483648"/>
   </p:sldMasterIdLst>
   <p:sldIdLst>
-    <p:sldId r:id="rId6" id="1814388845"/>
+    <p:sldId r:id="rId6" id="863315988"/>
   </p:sldIdLst>
   <p:sldSz cy="6858000" cx="12192000"/>
   <p:notesSz cy="9144000" cx="6858000"/>
